--- a/DsDotNet/src/UnitTest/UnitTest.Model/ImportOfficeExample/ppt/T11_SubLoading.pptx
+++ b/DsDotNet/src/UnitTest/UnitTest.Model/ImportOfficeExample/ppt/T11_SubLoading.pptx
@@ -216,7 +216,7 @@
           <a:p>
             <a:fld id="{DD503887-5801-43A0-AEF9-041E8DDC2558}" type="datetimeFigureOut">
               <a:rPr lang="ko-KR" altLang="en-US" smtClean="0"/>
-              <a:t>2022-12-20</a:t>
+              <a:t>2023-09-04</a:t>
             </a:fld>
             <a:endParaRPr lang="ko-KR" altLang="en-US"/>
           </a:p>
@@ -393,7 +393,7 @@
           <a:p>
             <a:fld id="{95336A0E-57B1-4D4C-BD9B-2F72B5943464}" type="datetimeFigureOut">
               <a:rPr lang="ko-KR" altLang="en-US" smtClean="0"/>
-              <a:t>2022-12-20</a:t>
+              <a:t>2023-09-04</a:t>
             </a:fld>
             <a:endParaRPr lang="ko-KR" altLang="en-US"/>
           </a:p>
@@ -947,7 +947,7 @@
           <a:p>
             <a:fld id="{DEA6EBF0-8E22-42A7-9BEA-2AC7066E6498}" type="datetimeFigureOut">
               <a:rPr lang="ko-KR" altLang="en-US" smtClean="0"/>
-              <a:t>2022-12-20</a:t>
+              <a:t>2023-09-04</a:t>
             </a:fld>
             <a:endParaRPr lang="ko-KR" altLang="en-US"/>
           </a:p>
@@ -1265,7 +1265,7 @@
           <a:p>
             <a:fld id="{DEA6EBF0-8E22-42A7-9BEA-2AC7066E6498}" type="datetimeFigureOut">
               <a:rPr lang="ko-KR" altLang="en-US" smtClean="0"/>
-              <a:t>2022-12-20</a:t>
+              <a:t>2023-09-04</a:t>
             </a:fld>
             <a:endParaRPr lang="ko-KR" altLang="en-US"/>
           </a:p>
@@ -1753,7 +1753,7 @@
           <a:p>
             <a:fld id="{DEA6EBF0-8E22-42A7-9BEA-2AC7066E6498}" type="datetimeFigureOut">
               <a:rPr lang="ko-KR" altLang="en-US" smtClean="0"/>
-              <a:t>2022-12-20</a:t>
+              <a:t>2023-09-04</a:t>
             </a:fld>
             <a:endParaRPr lang="ko-KR" altLang="en-US"/>
           </a:p>
@@ -2122,7 +2122,7 @@
           <a:p>
             <a:fld id="{DEA6EBF0-8E22-42A7-9BEA-2AC7066E6498}" type="datetimeFigureOut">
               <a:rPr lang="ko-KR" altLang="en-US" smtClean="0"/>
-              <a:t>2022-12-20</a:t>
+              <a:t>2023-09-04</a:t>
             </a:fld>
             <a:endParaRPr lang="ko-KR" altLang="en-US"/>
           </a:p>
@@ -2395,7 +2395,7 @@
           <a:p>
             <a:fld id="{DEA6EBF0-8E22-42A7-9BEA-2AC7066E6498}" type="datetimeFigureOut">
               <a:rPr lang="ko-KR" altLang="en-US" smtClean="0"/>
-              <a:t>2022-12-20</a:t>
+              <a:t>2023-09-04</a:t>
             </a:fld>
             <a:endParaRPr lang="ko-KR" altLang="en-US"/>
           </a:p>
@@ -2680,7 +2680,7 @@
           <a:p>
             <a:fld id="{DEA6EBF0-8E22-42A7-9BEA-2AC7066E6498}" type="datetimeFigureOut">
               <a:rPr lang="ko-KR" altLang="en-US" smtClean="0"/>
-              <a:t>2022-12-20</a:t>
+              <a:t>2023-09-04</a:t>
             </a:fld>
             <a:endParaRPr lang="ko-KR" altLang="en-US"/>
           </a:p>
@@ -2798,7 +2798,7 @@
           <a:p>
             <a:fld id="{DEA6EBF0-8E22-42A7-9BEA-2AC7066E6498}" type="datetimeFigureOut">
               <a:rPr lang="ko-KR" altLang="en-US" smtClean="0"/>
-              <a:t>2022-12-20</a:t>
+              <a:t>2023-09-04</a:t>
             </a:fld>
             <a:endParaRPr lang="ko-KR" altLang="en-US"/>
           </a:p>
@@ -3081,7 +3081,7 @@
           <a:p>
             <a:fld id="{DEA6EBF0-8E22-42A7-9BEA-2AC7066E6498}" type="datetimeFigureOut">
               <a:rPr lang="ko-KR" altLang="en-US" smtClean="0"/>
-              <a:t>2022-12-20</a:t>
+              <a:t>2023-09-04</a:t>
             </a:fld>
             <a:endParaRPr lang="ko-KR" altLang="en-US"/>
           </a:p>
@@ -3424,7 +3424,7 @@
           <a:p>
             <a:fld id="{DEA6EBF0-8E22-42A7-9BEA-2AC7066E6498}" type="datetimeFigureOut">
               <a:rPr lang="ko-KR" altLang="en-US" smtClean="0"/>
-              <a:t>2022-12-20</a:t>
+              <a:t>2023-09-04</a:t>
             </a:fld>
             <a:endParaRPr lang="ko-KR" altLang="en-US"/>
           </a:p>
@@ -3763,7 +3763,7 @@
           <a:p>
             <a:fld id="{DEA6EBF0-8E22-42A7-9BEA-2AC7066E6498}" type="datetimeFigureOut">
               <a:rPr lang="ko-KR" altLang="en-US" smtClean="0"/>
-              <a:t>2022-12-20</a:t>
+              <a:t>2023-09-04</a:t>
             </a:fld>
             <a:endParaRPr lang="ko-KR" altLang="en-US"/>
           </a:p>
@@ -4240,7 +4240,7 @@
           <a:p>
             <a:fld id="{DEA6EBF0-8E22-42A7-9BEA-2AC7066E6498}" type="datetimeFigureOut">
               <a:rPr lang="ko-KR" altLang="en-US" smtClean="0"/>
-              <a:t>2022-12-20</a:t>
+              <a:t>2023-09-04</a:t>
             </a:fld>
             <a:endParaRPr lang="ko-KR" altLang="en-US"/>
           </a:p>
@@ -4335,7 +4335,7 @@
           <a:p>
             <a:fld id="{DEA6EBF0-8E22-42A7-9BEA-2AC7066E6498}" type="datetimeFigureOut">
               <a:rPr lang="ko-KR" altLang="en-US" smtClean="0"/>
-              <a:t>2022-12-20</a:t>
+              <a:t>2023-09-04</a:t>
             </a:fld>
             <a:endParaRPr lang="ko-KR" altLang="en-US"/>
           </a:p>
@@ -4802,7 +4802,7 @@
           <a:p>
             <a:fld id="{DEA6EBF0-8E22-42A7-9BEA-2AC7066E6498}" type="datetimeFigureOut">
               <a:rPr lang="ko-KR" altLang="en-US" smtClean="0"/>
-              <a:t>2022-12-20</a:t>
+              <a:t>2023-09-04</a:t>
             </a:fld>
             <a:endParaRPr lang="ko-KR" altLang="en-US"/>
           </a:p>
@@ -5115,7 +5115,7 @@
           <a:p>
             <a:fld id="{DEA6EBF0-8E22-42A7-9BEA-2AC7066E6498}" type="datetimeFigureOut">
               <a:rPr lang="ko-KR" altLang="en-US" smtClean="0"/>
-              <a:t>2022-12-20</a:t>
+              <a:t>2023-09-04</a:t>
             </a:fld>
             <a:endParaRPr lang="ko-KR" altLang="en-US"/>
           </a:p>
@@ -5385,7 +5385,7 @@
           <a:p>
             <a:fld id="{DEA6EBF0-8E22-42A7-9BEA-2AC7066E6498}" type="datetimeFigureOut">
               <a:rPr lang="ko-KR" altLang="en-US" smtClean="0"/>
-              <a:t>2022-12-20</a:t>
+              <a:t>2023-09-04</a:t>
             </a:fld>
             <a:endParaRPr lang="ko-KR" altLang="en-US"/>
           </a:p>
@@ -6263,7 +6263,7 @@
                 <a:pPr algn="ctr"/>
                 <a:r>
                   <a:rPr lang="en-US" altLang="ko-KR" dirty="0"/>
-                  <a:t>Factroy $Func1</a:t>
+                  <a:t>Line $Func1</a:t>
                 </a:r>
                 <a:endParaRPr lang="ko-KR" altLang="en-US" dirty="0"/>
               </a:p>
@@ -6319,7 +6319,7 @@
                 <a:pPr algn="ctr"/>
                 <a:r>
                   <a:rPr lang="en-US" altLang="ko-KR" dirty="0"/>
-                  <a:t>Factroy $Func2</a:t>
+                  <a:t>Line $Func2</a:t>
                 </a:r>
                 <a:endParaRPr lang="ko-KR" altLang="en-US" dirty="0"/>
               </a:p>
@@ -6481,14 +6481,14 @@
             <a:pPr algn="ctr"/>
             <a:r>
               <a:rPr lang="en-US" altLang="ko-KR" dirty="0"/>
-              <a:t>../sample/Sub/Factroy </a:t>
+              <a:t>Sub/Line </a:t>
             </a:r>
           </a:p>
           <a:p>
             <a:pPr algn="ctr"/>
             <a:r>
               <a:rPr lang="en-US" altLang="ko-KR" dirty="0"/>
-              <a:t>[Factroy]</a:t>
+              <a:t>[Line]</a:t>
             </a:r>
             <a:endParaRPr lang="ko-KR" altLang="en-US" dirty="0"/>
           </a:p>

--- a/DsDotNet/src/UnitTest/UnitTest.Model/ImportOfficeExample/ppt/T11_SubLoading.pptx
+++ b/DsDotNet/src/UnitTest/UnitTest.Model/ImportOfficeExample/ppt/T11_SubLoading.pptx
@@ -216,7 +216,7 @@
           <a:p>
             <a:fld id="{DD503887-5801-43A0-AEF9-041E8DDC2558}" type="datetimeFigureOut">
               <a:rPr lang="ko-KR" altLang="en-US" smtClean="0"/>
-              <a:t>2023-09-04</a:t>
+              <a:t>2023-11-05</a:t>
             </a:fld>
             <a:endParaRPr lang="ko-KR" altLang="en-US"/>
           </a:p>
@@ -393,7 +393,7 @@
           <a:p>
             <a:fld id="{95336A0E-57B1-4D4C-BD9B-2F72B5943464}" type="datetimeFigureOut">
               <a:rPr lang="ko-KR" altLang="en-US" smtClean="0"/>
-              <a:t>2023-09-04</a:t>
+              <a:t>2023-11-05</a:t>
             </a:fld>
             <a:endParaRPr lang="ko-KR" altLang="en-US"/>
           </a:p>
@@ -755,7 +755,7 @@
           <a:effectLst/>
           <a:extLst>
             <a:ext uri="{91240B29-F687-4f45-9708-019B960494DF}">
-              <a14:hiddenLine xmlns="" xmlns:a14="http://schemas.microsoft.com/office/drawing/2010/main" w="9525">
+              <a14:hiddenLine xmlns:a14="http://schemas.microsoft.com/office/drawing/2010/main" xmlns="" w="9525">
                 <a:solidFill>
                   <a:srgbClr val="000000"/>
                 </a:solidFill>
@@ -947,7 +947,7 @@
           <a:p>
             <a:fld id="{DEA6EBF0-8E22-42A7-9BEA-2AC7066E6498}" type="datetimeFigureOut">
               <a:rPr lang="ko-KR" altLang="en-US" smtClean="0"/>
-              <a:t>2023-09-04</a:t>
+              <a:t>2023-11-05</a:t>
             </a:fld>
             <a:endParaRPr lang="ko-KR" altLang="en-US"/>
           </a:p>
@@ -1265,7 +1265,7 @@
           <a:p>
             <a:fld id="{DEA6EBF0-8E22-42A7-9BEA-2AC7066E6498}" type="datetimeFigureOut">
               <a:rPr lang="ko-KR" altLang="en-US" smtClean="0"/>
-              <a:t>2023-09-04</a:t>
+              <a:t>2023-11-05</a:t>
             </a:fld>
             <a:endParaRPr lang="ko-KR" altLang="en-US"/>
           </a:p>
@@ -1753,7 +1753,7 @@
           <a:p>
             <a:fld id="{DEA6EBF0-8E22-42A7-9BEA-2AC7066E6498}" type="datetimeFigureOut">
               <a:rPr lang="ko-KR" altLang="en-US" smtClean="0"/>
-              <a:t>2023-09-04</a:t>
+              <a:t>2023-11-05</a:t>
             </a:fld>
             <a:endParaRPr lang="ko-KR" altLang="en-US"/>
           </a:p>
@@ -2122,7 +2122,7 @@
           <a:p>
             <a:fld id="{DEA6EBF0-8E22-42A7-9BEA-2AC7066E6498}" type="datetimeFigureOut">
               <a:rPr lang="ko-KR" altLang="en-US" smtClean="0"/>
-              <a:t>2023-09-04</a:t>
+              <a:t>2023-11-05</a:t>
             </a:fld>
             <a:endParaRPr lang="ko-KR" altLang="en-US"/>
           </a:p>
@@ -2277,7 +2277,7 @@
           <a:ln/>
           <a:extLst>
             <a:ext uri="{91240B29-F687-4f45-9708-019B960494DF}">
-              <a14:hiddenLine xmlns="" xmlns:a14="http://schemas.microsoft.com/office/drawing/2010/main" w="9525">
+              <a14:hiddenLine xmlns:a14="http://schemas.microsoft.com/office/drawing/2010/main" xmlns="" w="9525">
                 <a:solidFill>
                   <a:srgbClr val="000000"/>
                 </a:solidFill>
@@ -2395,7 +2395,7 @@
           <a:p>
             <a:fld id="{DEA6EBF0-8E22-42A7-9BEA-2AC7066E6498}" type="datetimeFigureOut">
               <a:rPr lang="ko-KR" altLang="en-US" smtClean="0"/>
-              <a:t>2023-09-04</a:t>
+              <a:t>2023-11-05</a:t>
             </a:fld>
             <a:endParaRPr lang="ko-KR" altLang="en-US"/>
           </a:p>
@@ -2552,7 +2552,7 @@
           <a:ln/>
           <a:extLst>
             <a:ext uri="{91240B29-F687-4f45-9708-019B960494DF}">
-              <a14:hiddenLine xmlns="" xmlns:a14="http://schemas.microsoft.com/office/drawing/2010/main" w="9525">
+              <a14:hiddenLine xmlns:a14="http://schemas.microsoft.com/office/drawing/2010/main" xmlns="" w="9525">
                 <a:solidFill>
                   <a:srgbClr val="000000"/>
                 </a:solidFill>
@@ -2680,7 +2680,7 @@
           <a:p>
             <a:fld id="{DEA6EBF0-8E22-42A7-9BEA-2AC7066E6498}" type="datetimeFigureOut">
               <a:rPr lang="ko-KR" altLang="en-US" smtClean="0"/>
-              <a:t>2023-09-04</a:t>
+              <a:t>2023-11-05</a:t>
             </a:fld>
             <a:endParaRPr lang="ko-KR" altLang="en-US"/>
           </a:p>
@@ -2798,7 +2798,7 @@
           <a:p>
             <a:fld id="{DEA6EBF0-8E22-42A7-9BEA-2AC7066E6498}" type="datetimeFigureOut">
               <a:rPr lang="ko-KR" altLang="en-US" smtClean="0"/>
-              <a:t>2023-09-04</a:t>
+              <a:t>2023-11-05</a:t>
             </a:fld>
             <a:endParaRPr lang="ko-KR" altLang="en-US"/>
           </a:p>
@@ -2953,7 +2953,7 @@
           <a:ln/>
           <a:extLst>
             <a:ext uri="{91240B29-F687-4f45-9708-019B960494DF}">
-              <a14:hiddenLine xmlns="" xmlns:a14="http://schemas.microsoft.com/office/drawing/2010/main" w="9525">
+              <a14:hiddenLine xmlns:a14="http://schemas.microsoft.com/office/drawing/2010/main" xmlns="" w="9525">
                 <a:solidFill>
                   <a:srgbClr val="000000"/>
                 </a:solidFill>
@@ -3081,7 +3081,7 @@
           <a:p>
             <a:fld id="{DEA6EBF0-8E22-42A7-9BEA-2AC7066E6498}" type="datetimeFigureOut">
               <a:rPr lang="ko-KR" altLang="en-US" smtClean="0"/>
-              <a:t>2023-09-04</a:t>
+              <a:t>2023-11-05</a:t>
             </a:fld>
             <a:endParaRPr lang="ko-KR" altLang="en-US"/>
           </a:p>
@@ -3424,7 +3424,7 @@
           <a:p>
             <a:fld id="{DEA6EBF0-8E22-42A7-9BEA-2AC7066E6498}" type="datetimeFigureOut">
               <a:rPr lang="ko-KR" altLang="en-US" smtClean="0"/>
-              <a:t>2023-09-04</a:t>
+              <a:t>2023-11-05</a:t>
             </a:fld>
             <a:endParaRPr lang="ko-KR" altLang="en-US"/>
           </a:p>
@@ -3579,7 +3579,7 @@
           <a:ln/>
           <a:extLst>
             <a:ext uri="{91240B29-F687-4f45-9708-019B960494DF}">
-              <a14:hiddenLine xmlns="" xmlns:a14="http://schemas.microsoft.com/office/drawing/2010/main" w="9525">
+              <a14:hiddenLine xmlns:a14="http://schemas.microsoft.com/office/drawing/2010/main" xmlns="" w="9525">
                 <a:solidFill>
                   <a:srgbClr val="000000"/>
                 </a:solidFill>
@@ -3763,7 +3763,7 @@
           <a:p>
             <a:fld id="{DEA6EBF0-8E22-42A7-9BEA-2AC7066E6498}" type="datetimeFigureOut">
               <a:rPr lang="ko-KR" altLang="en-US" smtClean="0"/>
-              <a:t>2023-09-04</a:t>
+              <a:t>2023-11-05</a:t>
             </a:fld>
             <a:endParaRPr lang="ko-KR" altLang="en-US"/>
           </a:p>
@@ -3918,7 +3918,7 @@
           <a:ln/>
           <a:extLst>
             <a:ext uri="{91240B29-F687-4f45-9708-019B960494DF}">
-              <a14:hiddenLine xmlns="" xmlns:a14="http://schemas.microsoft.com/office/drawing/2010/main" w="9525">
+              <a14:hiddenLine xmlns:a14="http://schemas.microsoft.com/office/drawing/2010/main" xmlns="" w="9525">
                 <a:solidFill>
                   <a:srgbClr val="000000"/>
                 </a:solidFill>
@@ -4240,7 +4240,7 @@
           <a:p>
             <a:fld id="{DEA6EBF0-8E22-42A7-9BEA-2AC7066E6498}" type="datetimeFigureOut">
               <a:rPr lang="ko-KR" altLang="en-US" smtClean="0"/>
-              <a:t>2023-09-04</a:t>
+              <a:t>2023-11-05</a:t>
             </a:fld>
             <a:endParaRPr lang="ko-KR" altLang="en-US"/>
           </a:p>
@@ -4335,7 +4335,7 @@
           <a:p>
             <a:fld id="{DEA6EBF0-8E22-42A7-9BEA-2AC7066E6498}" type="datetimeFigureOut">
               <a:rPr lang="ko-KR" altLang="en-US" smtClean="0"/>
-              <a:t>2023-09-04</a:t>
+              <a:t>2023-11-05</a:t>
             </a:fld>
             <a:endParaRPr lang="ko-KR" altLang="en-US"/>
           </a:p>
@@ -4603,7 +4603,7 @@
           <a:ln/>
           <a:extLst>
             <a:ext uri="{91240B29-F687-4f45-9708-019B960494DF}">
-              <a14:hiddenLine xmlns="" xmlns:a14="http://schemas.microsoft.com/office/drawing/2010/main" w="9525">
+              <a14:hiddenLine xmlns:a14="http://schemas.microsoft.com/office/drawing/2010/main" xmlns="" w="9525">
                 <a:solidFill>
                   <a:srgbClr val="000000"/>
                 </a:solidFill>
@@ -4802,7 +4802,7 @@
           <a:p>
             <a:fld id="{DEA6EBF0-8E22-42A7-9BEA-2AC7066E6498}" type="datetimeFigureOut">
               <a:rPr lang="ko-KR" altLang="en-US" smtClean="0"/>
-              <a:t>2023-09-04</a:t>
+              <a:t>2023-11-05</a:t>
             </a:fld>
             <a:endParaRPr lang="ko-KR" altLang="en-US"/>
           </a:p>
@@ -5115,7 +5115,7 @@
           <a:p>
             <a:fld id="{DEA6EBF0-8E22-42A7-9BEA-2AC7066E6498}" type="datetimeFigureOut">
               <a:rPr lang="ko-KR" altLang="en-US" smtClean="0"/>
-              <a:t>2023-09-04</a:t>
+              <a:t>2023-11-05</a:t>
             </a:fld>
             <a:endParaRPr lang="ko-KR" altLang="en-US"/>
           </a:p>
@@ -5385,7 +5385,7 @@
           <a:p>
             <a:fld id="{DEA6EBF0-8E22-42A7-9BEA-2AC7066E6498}" type="datetimeFigureOut">
               <a:rPr lang="ko-KR" altLang="en-US" smtClean="0"/>
-              <a:t>2023-09-04</a:t>
+              <a:t>2023-11-05</a:t>
             </a:fld>
             <a:endParaRPr lang="ko-KR" altLang="en-US"/>
           </a:p>
@@ -6263,7 +6263,7 @@
                 <a:pPr algn="ctr"/>
                 <a:r>
                   <a:rPr lang="en-US" altLang="ko-KR" dirty="0"/>
-                  <a:t>Line $Func1</a:t>
+                  <a:t>Line .Func1</a:t>
                 </a:r>
                 <a:endParaRPr lang="ko-KR" altLang="en-US" dirty="0"/>
               </a:p>
@@ -6319,7 +6319,7 @@
                 <a:pPr algn="ctr"/>
                 <a:r>
                   <a:rPr lang="en-US" altLang="ko-KR" dirty="0"/>
-                  <a:t>Line $Func2</a:t>
+                  <a:t>Line .Func2</a:t>
                 </a:r>
                 <a:endParaRPr lang="ko-KR" altLang="en-US" dirty="0"/>
               </a:p>
@@ -6399,7 +6399,7 @@
           <a:p>
             <a:r>
               <a:rPr lang="en-US" altLang="ko-KR" dirty="0"/>
-              <a:t>Loading Name $ Api </a:t>
+              <a:t>Loading Name . Api </a:t>
             </a:r>
           </a:p>
           <a:p>
@@ -6417,7 +6417,7 @@
             </a:r>
             <a:r>
               <a:rPr lang="en-US" altLang="ko-KR" dirty="0"/>
-              <a:t>’$ ‘ </a:t>
+              <a:t>’. ‘ </a:t>
             </a:r>
             <a:r>
               <a:rPr lang="ko-KR" altLang="en-US" dirty="0"/>

--- a/DsDotNet/src/UnitTest/UnitTest.Model/ImportOfficeExample/ppt/T11_SubLoading.pptx
+++ b/DsDotNet/src/UnitTest/UnitTest.Model/ImportOfficeExample/ppt/T11_SubLoading.pptx
@@ -216,7 +216,7 @@
           <a:p>
             <a:fld id="{DD503887-5801-43A0-AEF9-041E8DDC2558}" type="datetimeFigureOut">
               <a:rPr lang="ko-KR" altLang="en-US" smtClean="0"/>
-              <a:t>2023-11-05</a:t>
+              <a:t>2024-03-13</a:t>
             </a:fld>
             <a:endParaRPr lang="ko-KR" altLang="en-US"/>
           </a:p>
@@ -393,7 +393,7 @@
           <a:p>
             <a:fld id="{95336A0E-57B1-4D4C-BD9B-2F72B5943464}" type="datetimeFigureOut">
               <a:rPr lang="ko-KR" altLang="en-US" smtClean="0"/>
-              <a:t>2023-11-05</a:t>
+              <a:t>2024-03-13</a:t>
             </a:fld>
             <a:endParaRPr lang="ko-KR" altLang="en-US"/>
           </a:p>
@@ -755,7 +755,7 @@
           <a:effectLst/>
           <a:extLst>
             <a:ext uri="{91240B29-F687-4f45-9708-019B960494DF}">
-              <a14:hiddenLine xmlns:a14="http://schemas.microsoft.com/office/drawing/2010/main" xmlns="" w="9525">
+              <a14:hiddenLine xmlns="" xmlns:a14="http://schemas.microsoft.com/office/drawing/2010/main" w="9525">
                 <a:solidFill>
                   <a:srgbClr val="000000"/>
                 </a:solidFill>
@@ -947,7 +947,7 @@
           <a:p>
             <a:fld id="{DEA6EBF0-8E22-42A7-9BEA-2AC7066E6498}" type="datetimeFigureOut">
               <a:rPr lang="ko-KR" altLang="en-US" smtClean="0"/>
-              <a:t>2023-11-05</a:t>
+              <a:t>2024-03-13</a:t>
             </a:fld>
             <a:endParaRPr lang="ko-KR" altLang="en-US"/>
           </a:p>
@@ -1265,7 +1265,7 @@
           <a:p>
             <a:fld id="{DEA6EBF0-8E22-42A7-9BEA-2AC7066E6498}" type="datetimeFigureOut">
               <a:rPr lang="ko-KR" altLang="en-US" smtClean="0"/>
-              <a:t>2023-11-05</a:t>
+              <a:t>2024-03-13</a:t>
             </a:fld>
             <a:endParaRPr lang="ko-KR" altLang="en-US"/>
           </a:p>
@@ -1753,7 +1753,7 @@
           <a:p>
             <a:fld id="{DEA6EBF0-8E22-42A7-9BEA-2AC7066E6498}" type="datetimeFigureOut">
               <a:rPr lang="ko-KR" altLang="en-US" smtClean="0"/>
-              <a:t>2023-11-05</a:t>
+              <a:t>2024-03-13</a:t>
             </a:fld>
             <a:endParaRPr lang="ko-KR" altLang="en-US"/>
           </a:p>
@@ -2122,7 +2122,7 @@
           <a:p>
             <a:fld id="{DEA6EBF0-8E22-42A7-9BEA-2AC7066E6498}" type="datetimeFigureOut">
               <a:rPr lang="ko-KR" altLang="en-US" smtClean="0"/>
-              <a:t>2023-11-05</a:t>
+              <a:t>2024-03-13</a:t>
             </a:fld>
             <a:endParaRPr lang="ko-KR" altLang="en-US"/>
           </a:p>
@@ -2277,7 +2277,7 @@
           <a:ln/>
           <a:extLst>
             <a:ext uri="{91240B29-F687-4f45-9708-019B960494DF}">
-              <a14:hiddenLine xmlns:a14="http://schemas.microsoft.com/office/drawing/2010/main" xmlns="" w="9525">
+              <a14:hiddenLine xmlns="" xmlns:a14="http://schemas.microsoft.com/office/drawing/2010/main" w="9525">
                 <a:solidFill>
                   <a:srgbClr val="000000"/>
                 </a:solidFill>
@@ -2395,7 +2395,7 @@
           <a:p>
             <a:fld id="{DEA6EBF0-8E22-42A7-9BEA-2AC7066E6498}" type="datetimeFigureOut">
               <a:rPr lang="ko-KR" altLang="en-US" smtClean="0"/>
-              <a:t>2023-11-05</a:t>
+              <a:t>2024-03-13</a:t>
             </a:fld>
             <a:endParaRPr lang="ko-KR" altLang="en-US"/>
           </a:p>
@@ -2552,7 +2552,7 @@
           <a:ln/>
           <a:extLst>
             <a:ext uri="{91240B29-F687-4f45-9708-019B960494DF}">
-              <a14:hiddenLine xmlns:a14="http://schemas.microsoft.com/office/drawing/2010/main" xmlns="" w="9525">
+              <a14:hiddenLine xmlns="" xmlns:a14="http://schemas.microsoft.com/office/drawing/2010/main" w="9525">
                 <a:solidFill>
                   <a:srgbClr val="000000"/>
                 </a:solidFill>
@@ -2680,7 +2680,7 @@
           <a:p>
             <a:fld id="{DEA6EBF0-8E22-42A7-9BEA-2AC7066E6498}" type="datetimeFigureOut">
               <a:rPr lang="ko-KR" altLang="en-US" smtClean="0"/>
-              <a:t>2023-11-05</a:t>
+              <a:t>2024-03-13</a:t>
             </a:fld>
             <a:endParaRPr lang="ko-KR" altLang="en-US"/>
           </a:p>
@@ -2798,7 +2798,7 @@
           <a:p>
             <a:fld id="{DEA6EBF0-8E22-42A7-9BEA-2AC7066E6498}" type="datetimeFigureOut">
               <a:rPr lang="ko-KR" altLang="en-US" smtClean="0"/>
-              <a:t>2023-11-05</a:t>
+              <a:t>2024-03-13</a:t>
             </a:fld>
             <a:endParaRPr lang="ko-KR" altLang="en-US"/>
           </a:p>
@@ -2953,7 +2953,7 @@
           <a:ln/>
           <a:extLst>
             <a:ext uri="{91240B29-F687-4f45-9708-019B960494DF}">
-              <a14:hiddenLine xmlns:a14="http://schemas.microsoft.com/office/drawing/2010/main" xmlns="" w="9525">
+              <a14:hiddenLine xmlns="" xmlns:a14="http://schemas.microsoft.com/office/drawing/2010/main" w="9525">
                 <a:solidFill>
                   <a:srgbClr val="000000"/>
                 </a:solidFill>
@@ -3081,7 +3081,7 @@
           <a:p>
             <a:fld id="{DEA6EBF0-8E22-42A7-9BEA-2AC7066E6498}" type="datetimeFigureOut">
               <a:rPr lang="ko-KR" altLang="en-US" smtClean="0"/>
-              <a:t>2023-11-05</a:t>
+              <a:t>2024-03-13</a:t>
             </a:fld>
             <a:endParaRPr lang="ko-KR" altLang="en-US"/>
           </a:p>
@@ -3424,7 +3424,7 @@
           <a:p>
             <a:fld id="{DEA6EBF0-8E22-42A7-9BEA-2AC7066E6498}" type="datetimeFigureOut">
               <a:rPr lang="ko-KR" altLang="en-US" smtClean="0"/>
-              <a:t>2023-11-05</a:t>
+              <a:t>2024-03-13</a:t>
             </a:fld>
             <a:endParaRPr lang="ko-KR" altLang="en-US"/>
           </a:p>
@@ -3579,7 +3579,7 @@
           <a:ln/>
           <a:extLst>
             <a:ext uri="{91240B29-F687-4f45-9708-019B960494DF}">
-              <a14:hiddenLine xmlns:a14="http://schemas.microsoft.com/office/drawing/2010/main" xmlns="" w="9525">
+              <a14:hiddenLine xmlns="" xmlns:a14="http://schemas.microsoft.com/office/drawing/2010/main" w="9525">
                 <a:solidFill>
                   <a:srgbClr val="000000"/>
                 </a:solidFill>
@@ -3763,7 +3763,7 @@
           <a:p>
             <a:fld id="{DEA6EBF0-8E22-42A7-9BEA-2AC7066E6498}" type="datetimeFigureOut">
               <a:rPr lang="ko-KR" altLang="en-US" smtClean="0"/>
-              <a:t>2023-11-05</a:t>
+              <a:t>2024-03-13</a:t>
             </a:fld>
             <a:endParaRPr lang="ko-KR" altLang="en-US"/>
           </a:p>
@@ -3918,7 +3918,7 @@
           <a:ln/>
           <a:extLst>
             <a:ext uri="{91240B29-F687-4f45-9708-019B960494DF}">
-              <a14:hiddenLine xmlns:a14="http://schemas.microsoft.com/office/drawing/2010/main" xmlns="" w="9525">
+              <a14:hiddenLine xmlns="" xmlns:a14="http://schemas.microsoft.com/office/drawing/2010/main" w="9525">
                 <a:solidFill>
                   <a:srgbClr val="000000"/>
                 </a:solidFill>
@@ -4240,7 +4240,7 @@
           <a:p>
             <a:fld id="{DEA6EBF0-8E22-42A7-9BEA-2AC7066E6498}" type="datetimeFigureOut">
               <a:rPr lang="ko-KR" altLang="en-US" smtClean="0"/>
-              <a:t>2023-11-05</a:t>
+              <a:t>2024-03-13</a:t>
             </a:fld>
             <a:endParaRPr lang="ko-KR" altLang="en-US"/>
           </a:p>
@@ -4335,7 +4335,7 @@
           <a:p>
             <a:fld id="{DEA6EBF0-8E22-42A7-9BEA-2AC7066E6498}" type="datetimeFigureOut">
               <a:rPr lang="ko-KR" altLang="en-US" smtClean="0"/>
-              <a:t>2023-11-05</a:t>
+              <a:t>2024-03-13</a:t>
             </a:fld>
             <a:endParaRPr lang="ko-KR" altLang="en-US"/>
           </a:p>
@@ -4603,7 +4603,7 @@
           <a:ln/>
           <a:extLst>
             <a:ext uri="{91240B29-F687-4f45-9708-019B960494DF}">
-              <a14:hiddenLine xmlns:a14="http://schemas.microsoft.com/office/drawing/2010/main" xmlns="" w="9525">
+              <a14:hiddenLine xmlns="" xmlns:a14="http://schemas.microsoft.com/office/drawing/2010/main" w="9525">
                 <a:solidFill>
                   <a:srgbClr val="000000"/>
                 </a:solidFill>
@@ -4802,7 +4802,7 @@
           <a:p>
             <a:fld id="{DEA6EBF0-8E22-42A7-9BEA-2AC7066E6498}" type="datetimeFigureOut">
               <a:rPr lang="ko-KR" altLang="en-US" smtClean="0"/>
-              <a:t>2023-11-05</a:t>
+              <a:t>2024-03-13</a:t>
             </a:fld>
             <a:endParaRPr lang="ko-KR" altLang="en-US"/>
           </a:p>
@@ -5115,7 +5115,7 @@
           <a:p>
             <a:fld id="{DEA6EBF0-8E22-42A7-9BEA-2AC7066E6498}" type="datetimeFigureOut">
               <a:rPr lang="ko-KR" altLang="en-US" smtClean="0"/>
-              <a:t>2023-11-05</a:t>
+              <a:t>2024-03-13</a:t>
             </a:fld>
             <a:endParaRPr lang="ko-KR" altLang="en-US"/>
           </a:p>
@@ -5385,7 +5385,7 @@
           <a:p>
             <a:fld id="{DEA6EBF0-8E22-42A7-9BEA-2AC7066E6498}" type="datetimeFigureOut">
               <a:rPr lang="ko-KR" altLang="en-US" smtClean="0"/>
-              <a:t>2023-11-05</a:t>
+              <a:t>2024-03-13</a:t>
             </a:fld>
             <a:endParaRPr lang="ko-KR" altLang="en-US"/>
           </a:p>
@@ -5857,7 +5857,7 @@
           <a:p>
             <a:r>
               <a:rPr lang="en-US" altLang="ko-KR" dirty="0"/>
-              <a:t>Unit Test</a:t>
+              <a:t>T11_SubLoading</a:t>
             </a:r>
             <a:endParaRPr lang="ko-KR" altLang="en-US" dirty="0"/>
           </a:p>

--- a/DsDotNet/src/UnitTest/UnitTest.Model/ImportOfficeExample/ppt/T11_SubLoading.pptx
+++ b/DsDotNet/src/UnitTest/UnitTest.Model/ImportOfficeExample/ppt/T11_SubLoading.pptx
@@ -755,7 +755,7 @@
           <a:effectLst/>
           <a:extLst>
             <a:ext uri="{91240B29-F687-4f45-9708-019B960494DF}">
-              <a14:hiddenLine xmlns="" xmlns:a14="http://schemas.microsoft.com/office/drawing/2010/main" w="9525">
+              <a14:hiddenLine xmlns:a14="http://schemas.microsoft.com/office/drawing/2010/main" xmlns="" w="9525">
                 <a:solidFill>
                   <a:srgbClr val="000000"/>
                 </a:solidFill>
@@ -2277,7 +2277,7 @@
           <a:ln/>
           <a:extLst>
             <a:ext uri="{91240B29-F687-4f45-9708-019B960494DF}">
-              <a14:hiddenLine xmlns="" xmlns:a14="http://schemas.microsoft.com/office/drawing/2010/main" w="9525">
+              <a14:hiddenLine xmlns:a14="http://schemas.microsoft.com/office/drawing/2010/main" xmlns="" w="9525">
                 <a:solidFill>
                   <a:srgbClr val="000000"/>
                 </a:solidFill>
@@ -2552,7 +2552,7 @@
           <a:ln/>
           <a:extLst>
             <a:ext uri="{91240B29-F687-4f45-9708-019B960494DF}">
-              <a14:hiddenLine xmlns="" xmlns:a14="http://schemas.microsoft.com/office/drawing/2010/main" w="9525">
+              <a14:hiddenLine xmlns:a14="http://schemas.microsoft.com/office/drawing/2010/main" xmlns="" w="9525">
                 <a:solidFill>
                   <a:srgbClr val="000000"/>
                 </a:solidFill>
@@ -2953,7 +2953,7 @@
           <a:ln/>
           <a:extLst>
             <a:ext uri="{91240B29-F687-4f45-9708-019B960494DF}">
-              <a14:hiddenLine xmlns="" xmlns:a14="http://schemas.microsoft.com/office/drawing/2010/main" w="9525">
+              <a14:hiddenLine xmlns:a14="http://schemas.microsoft.com/office/drawing/2010/main" xmlns="" w="9525">
                 <a:solidFill>
                   <a:srgbClr val="000000"/>
                 </a:solidFill>
@@ -3579,7 +3579,7 @@
           <a:ln/>
           <a:extLst>
             <a:ext uri="{91240B29-F687-4f45-9708-019B960494DF}">
-              <a14:hiddenLine xmlns="" xmlns:a14="http://schemas.microsoft.com/office/drawing/2010/main" w="9525">
+              <a14:hiddenLine xmlns:a14="http://schemas.microsoft.com/office/drawing/2010/main" xmlns="" w="9525">
                 <a:solidFill>
                   <a:srgbClr val="000000"/>
                 </a:solidFill>
@@ -3918,7 +3918,7 @@
           <a:ln/>
           <a:extLst>
             <a:ext uri="{91240B29-F687-4f45-9708-019B960494DF}">
-              <a14:hiddenLine xmlns="" xmlns:a14="http://schemas.microsoft.com/office/drawing/2010/main" w="9525">
+              <a14:hiddenLine xmlns:a14="http://schemas.microsoft.com/office/drawing/2010/main" xmlns="" w="9525">
                 <a:solidFill>
                   <a:srgbClr val="000000"/>
                 </a:solidFill>
@@ -4603,7 +4603,7 @@
           <a:ln/>
           <a:extLst>
             <a:ext uri="{91240B29-F687-4f45-9708-019B960494DF}">
-              <a14:hiddenLine xmlns="" xmlns:a14="http://schemas.microsoft.com/office/drawing/2010/main" w="9525">
+              <a14:hiddenLine xmlns:a14="http://schemas.microsoft.com/office/drawing/2010/main" xmlns="" w="9525">
                 <a:solidFill>
                   <a:srgbClr val="000000"/>
                 </a:solidFill>
@@ -6111,10 +6111,10 @@
       </p:cxnSp>
       <p:grpSp>
         <p:nvGrpSpPr>
-          <p:cNvPr id="8" name="그룹 7">
+          <p:cNvPr id="13" name="그룹 12">
             <a:extLst>
               <a:ext uri="{FF2B5EF4-FFF2-40B4-BE49-F238E27FC236}">
-                <a16:creationId xmlns:a16="http://schemas.microsoft.com/office/drawing/2014/main" id="{E4E86703-9197-722D-B1EF-887463109F89}"/>
+                <a16:creationId xmlns:a16="http://schemas.microsoft.com/office/drawing/2014/main" id="{C3AD2A58-9851-B311-AD98-16D6B967469A}"/>
               </a:ext>
             </a:extLst>
           </p:cNvPr>
@@ -6125,7 +6125,7 @@
           <a:xfrm>
             <a:off x="810000" y="2424605"/>
             <a:ext cx="5724526" cy="3590925"/>
-            <a:chOff x="848416" y="1962150"/>
+            <a:chOff x="810000" y="2424605"/>
             <a:chExt cx="5724526" cy="3590925"/>
           </a:xfrm>
         </p:grpSpPr>
@@ -6143,7 +6143,7 @@
           </p:nvSpPr>
           <p:spPr>
             <a:xfrm>
-              <a:off x="848416" y="1962150"/>
+              <a:off x="810000" y="2424605"/>
               <a:ext cx="5724526" cy="3590925"/>
             </a:xfrm>
             <a:prstGeom prst="rect">
@@ -6193,181 +6193,160 @@
             </a:p>
           </p:txBody>
         </p:sp>
-        <p:grpSp>
-          <p:nvGrpSpPr>
-            <p:cNvPr id="3" name="그룹 2">
+        <p:sp>
+          <p:nvSpPr>
+            <p:cNvPr id="11" name="타원 10">
               <a:extLst>
                 <a:ext uri="{FF2B5EF4-FFF2-40B4-BE49-F238E27FC236}">
-                  <a16:creationId xmlns:a16="http://schemas.microsoft.com/office/drawing/2014/main" id="{217DAACF-5BCB-5A30-66B8-057CF83D7D6F}"/>
+                  <a16:creationId xmlns:a16="http://schemas.microsoft.com/office/drawing/2014/main" id="{A8DEAF01-6D94-28CA-7567-1D6E7A30C46B}"/>
                 </a:ext>
               </a:extLst>
             </p:cNvPr>
-            <p:cNvGrpSpPr/>
+            <p:cNvSpPr/>
             <p:nvPr/>
-          </p:nvGrpSpPr>
-          <p:grpSpPr>
+          </p:nvSpPr>
+          <p:spPr>
             <a:xfrm>
-              <a:off x="1405973" y="2441441"/>
-              <a:ext cx="4398681" cy="2052964"/>
-              <a:chOff x="1314450" y="2476500"/>
-              <a:chExt cx="4476750" cy="2447925"/>
+              <a:off x="1367557" y="2903896"/>
+              <a:ext cx="1703319" cy="798819"/>
             </a:xfrm>
-          </p:grpSpPr>
-          <p:sp>
-            <p:nvSpPr>
-              <p:cNvPr id="11" name="타원 10">
-                <a:extLst>
-                  <a:ext uri="{FF2B5EF4-FFF2-40B4-BE49-F238E27FC236}">
-                    <a16:creationId xmlns:a16="http://schemas.microsoft.com/office/drawing/2014/main" id="{A8DEAF01-6D94-28CA-7567-1D6E7A30C46B}"/>
-                  </a:ext>
-                </a:extLst>
-              </p:cNvPr>
-              <p:cNvSpPr/>
-              <p:nvPr/>
-            </p:nvSpPr>
-            <p:spPr>
-              <a:xfrm>
-                <a:off x="1314450" y="2476500"/>
-                <a:ext cx="1733550" cy="952500"/>
-              </a:xfrm>
-              <a:prstGeom prst="ellipse">
-                <a:avLst/>
-              </a:prstGeom>
-              <a:solidFill>
-                <a:schemeClr val="accent4">
-                  <a:alpha val="50000"/>
-                </a:schemeClr>
-              </a:solidFill>
-              <a:ln>
-                <a:noFill/>
-              </a:ln>
-            </p:spPr>
-            <p:style>
-              <a:lnRef idx="0">
-                <a:scrgbClr r="0" g="0" b="0"/>
-              </a:lnRef>
-              <a:fillRef idx="0">
-                <a:scrgbClr r="0" g="0" b="0"/>
-              </a:fillRef>
-              <a:effectRef idx="0">
-                <a:scrgbClr r="0" g="0" b="0"/>
-              </a:effectRef>
-              <a:fontRef idx="minor">
-                <a:schemeClr val="lt1"/>
-              </a:fontRef>
-            </p:style>
-            <p:txBody>
-              <a:bodyPr rtlCol="0" anchor="ctr"/>
-              <a:lstStyle/>
-              <a:p>
-                <a:pPr algn="ctr"/>
-                <a:r>
-                  <a:rPr lang="en-US" altLang="ko-KR" dirty="0"/>
-                  <a:t>Line .Func1</a:t>
-                </a:r>
-                <a:endParaRPr lang="ko-KR" altLang="en-US" dirty="0"/>
-              </a:p>
-            </p:txBody>
-          </p:sp>
-          <p:sp>
-            <p:nvSpPr>
-              <p:cNvPr id="12" name="타원 11">
-                <a:extLst>
-                  <a:ext uri="{FF2B5EF4-FFF2-40B4-BE49-F238E27FC236}">
-                    <a16:creationId xmlns:a16="http://schemas.microsoft.com/office/drawing/2014/main" id="{97830B60-D108-9F85-29FC-869E4BDC5485}"/>
-                  </a:ext>
-                </a:extLst>
-              </p:cNvPr>
-              <p:cNvSpPr/>
-              <p:nvPr/>
-            </p:nvSpPr>
-            <p:spPr>
-              <a:xfrm>
-                <a:off x="4057650" y="3971925"/>
-                <a:ext cx="1733550" cy="952500"/>
-              </a:xfrm>
-              <a:prstGeom prst="ellipse">
-                <a:avLst/>
-              </a:prstGeom>
-              <a:solidFill>
-                <a:schemeClr val="accent4">
-                  <a:alpha val="50000"/>
-                </a:schemeClr>
-              </a:solidFill>
-              <a:ln>
-                <a:noFill/>
-              </a:ln>
-            </p:spPr>
-            <p:style>
-              <a:lnRef idx="0">
-                <a:scrgbClr r="0" g="0" b="0"/>
-              </a:lnRef>
-              <a:fillRef idx="0">
-                <a:scrgbClr r="0" g="0" b="0"/>
-              </a:fillRef>
-              <a:effectRef idx="0">
-                <a:scrgbClr r="0" g="0" b="0"/>
-              </a:effectRef>
-              <a:fontRef idx="minor">
-                <a:schemeClr val="lt1"/>
-              </a:fontRef>
-            </p:style>
-            <p:txBody>
-              <a:bodyPr rtlCol="0" anchor="ctr"/>
-              <a:lstStyle/>
-              <a:p>
-                <a:pPr algn="ctr"/>
-                <a:r>
-                  <a:rPr lang="en-US" altLang="ko-KR" dirty="0"/>
-                  <a:t>Line .Func2</a:t>
-                </a:r>
-                <a:endParaRPr lang="ko-KR" altLang="en-US" dirty="0"/>
-              </a:p>
-            </p:txBody>
-          </p:sp>
-          <p:cxnSp>
-            <p:nvCxnSpPr>
-              <p:cNvPr id="14" name="연결선: 꺾임 13">
-                <a:extLst>
-                  <a:ext uri="{FF2B5EF4-FFF2-40B4-BE49-F238E27FC236}">
-                    <a16:creationId xmlns:a16="http://schemas.microsoft.com/office/drawing/2014/main" id="{AA5A9BF2-AF58-9F27-CB69-91D64393C28C}"/>
-                  </a:ext>
-                </a:extLst>
-              </p:cNvPr>
-              <p:cNvCxnSpPr>
-                <a:stCxn id="11" idx="5"/>
-                <a:endCxn id="12" idx="1"/>
-              </p:cNvCxnSpPr>
-              <p:nvPr/>
-            </p:nvCxnSpPr>
-            <p:spPr>
-              <a:xfrm rot="16200000" flipH="1">
-                <a:off x="3141873" y="2941764"/>
-                <a:ext cx="821905" cy="1517396"/>
-              </a:xfrm>
-              <a:prstGeom prst="bentConnector3">
-                <a:avLst/>
-              </a:prstGeom>
-              <a:ln>
-                <a:tailEnd type="triangle"/>
-              </a:ln>
-            </p:spPr>
-            <p:style>
-              <a:lnRef idx="1">
-                <a:schemeClr val="accent4"/>
-              </a:lnRef>
-              <a:fillRef idx="0">
-                <a:schemeClr val="accent4"/>
-              </a:fillRef>
-              <a:effectRef idx="0">
-                <a:schemeClr val="accent4"/>
-              </a:effectRef>
-              <a:fontRef idx="minor">
-                <a:schemeClr val="tx1"/>
-              </a:fontRef>
-            </p:style>
-          </p:cxnSp>
-        </p:grpSp>
+            <a:prstGeom prst="ellipse">
+              <a:avLst/>
+            </a:prstGeom>
+            <a:solidFill>
+              <a:schemeClr val="accent4">
+                <a:alpha val="50000"/>
+              </a:schemeClr>
+            </a:solidFill>
+            <a:ln>
+              <a:noFill/>
+            </a:ln>
+          </p:spPr>
+          <p:style>
+            <a:lnRef idx="0">
+              <a:scrgbClr r="0" g="0" b="0"/>
+            </a:lnRef>
+            <a:fillRef idx="0">
+              <a:scrgbClr r="0" g="0" b="0"/>
+            </a:fillRef>
+            <a:effectRef idx="0">
+              <a:scrgbClr r="0" g="0" b="0"/>
+            </a:effectRef>
+            <a:fontRef idx="minor">
+              <a:schemeClr val="lt1"/>
+            </a:fontRef>
+          </p:style>
+          <p:txBody>
+            <a:bodyPr rtlCol="0" anchor="ctr"/>
+            <a:lstStyle/>
+            <a:p>
+              <a:pPr algn="ctr"/>
+              <a:r>
+                <a:rPr lang="en-US" altLang="ko-KR" dirty="0"/>
+                <a:t>Line .Func1</a:t>
+              </a:r>
+              <a:endParaRPr lang="ko-KR" altLang="en-US" dirty="0"/>
+            </a:p>
+          </p:txBody>
+        </p:sp>
+        <p:sp>
+          <p:nvSpPr>
+            <p:cNvPr id="12" name="타원 11">
+              <a:extLst>
+                <a:ext uri="{FF2B5EF4-FFF2-40B4-BE49-F238E27FC236}">
+                  <a16:creationId xmlns:a16="http://schemas.microsoft.com/office/drawing/2014/main" id="{97830B60-D108-9F85-29FC-869E4BDC5485}"/>
+                </a:ext>
+              </a:extLst>
+            </p:cNvPr>
+            <p:cNvSpPr/>
+            <p:nvPr/>
+          </p:nvSpPr>
+          <p:spPr>
+            <a:xfrm>
+              <a:off x="4062919" y="4158041"/>
+              <a:ext cx="1703319" cy="798819"/>
+            </a:xfrm>
+            <a:prstGeom prst="ellipse">
+              <a:avLst/>
+            </a:prstGeom>
+            <a:solidFill>
+              <a:schemeClr val="accent4">
+                <a:alpha val="50000"/>
+              </a:schemeClr>
+            </a:solidFill>
+            <a:ln>
+              <a:noFill/>
+            </a:ln>
+          </p:spPr>
+          <p:style>
+            <a:lnRef idx="0">
+              <a:scrgbClr r="0" g="0" b="0"/>
+            </a:lnRef>
+            <a:fillRef idx="0">
+              <a:scrgbClr r="0" g="0" b="0"/>
+            </a:fillRef>
+            <a:effectRef idx="0">
+              <a:scrgbClr r="0" g="0" b="0"/>
+            </a:effectRef>
+            <a:fontRef idx="minor">
+              <a:schemeClr val="lt1"/>
+            </a:fontRef>
+          </p:style>
+          <p:txBody>
+            <a:bodyPr rtlCol="0" anchor="ctr"/>
+            <a:lstStyle/>
+            <a:p>
+              <a:pPr algn="ctr"/>
+              <a:r>
+                <a:rPr lang="en-US" altLang="ko-KR" dirty="0"/>
+                <a:t>Line .Func2</a:t>
+              </a:r>
+              <a:endParaRPr lang="ko-KR" altLang="en-US" dirty="0"/>
+            </a:p>
+          </p:txBody>
+        </p:sp>
+        <p:cxnSp>
+          <p:nvCxnSpPr>
+            <p:cNvPr id="14" name="연결선: 꺾임 13">
+              <a:extLst>
+                <a:ext uri="{FF2B5EF4-FFF2-40B4-BE49-F238E27FC236}">
+                  <a16:creationId xmlns:a16="http://schemas.microsoft.com/office/drawing/2014/main" id="{AA5A9BF2-AF58-9F27-CB69-91D64393C28C}"/>
+                </a:ext>
+              </a:extLst>
+            </p:cNvPr>
+            <p:cNvCxnSpPr>
+              <a:stCxn id="11" idx="5"/>
+              <a:endCxn id="12" idx="1"/>
+            </p:cNvCxnSpPr>
+            <p:nvPr/>
+          </p:nvCxnSpPr>
+          <p:spPr>
+            <a:xfrm rot="16200000" flipH="1">
+              <a:off x="3222251" y="3184910"/>
+              <a:ext cx="689295" cy="1490934"/>
+            </a:xfrm>
+            <a:prstGeom prst="bentConnector3">
+              <a:avLst/>
+            </a:prstGeom>
+            <a:ln>
+              <a:tailEnd type="triangle"/>
+            </a:ln>
+          </p:spPr>
+          <p:style>
+            <a:lnRef idx="1">
+              <a:schemeClr val="accent4"/>
+            </a:lnRef>
+            <a:fillRef idx="0">
+              <a:schemeClr val="accent4"/>
+            </a:fillRef>
+            <a:effectRef idx="0">
+              <a:schemeClr val="accent4"/>
+            </a:effectRef>
+            <a:fontRef idx="minor">
+              <a:schemeClr val="tx1"/>
+            </a:fontRef>
+          </p:style>
+        </p:cxnSp>
       </p:grpSp>
       <p:sp>
         <p:nvSpPr>
